--- a/final-report/期末展示.pptx
+++ b/final-report/期末展示.pptx
@@ -239,7 +239,7 @@
           <a:p>
             <a:fld id="{BEE7A58F-3BA5-4FAD-B117-5AA44DD7737E}" type="datetimeFigureOut">
               <a:rPr lang="zh-CN" altLang="en-US" smtClean="0"/>
-              <a:t>2023/6/9</a:t>
+              <a:t>2023/6/10</a:t>
             </a:fld>
             <a:endParaRPr lang="zh-CN" altLang="en-US"/>
           </a:p>
@@ -836,7 +836,7 @@
           <a:p>
             <a:fld id="{68B46C37-74B6-467C-9BAA-68C06E3BA7DB}" type="datetimeFigureOut">
               <a:rPr lang="zh-CN" altLang="en-US" smtClean="0"/>
-              <a:t>2023/6/9</a:t>
+              <a:t>2023/6/10</a:t>
             </a:fld>
             <a:endParaRPr lang="zh-CN" altLang="en-US"/>
           </a:p>
@@ -1034,7 +1034,7 @@
           <a:p>
             <a:fld id="{68B46C37-74B6-467C-9BAA-68C06E3BA7DB}" type="datetimeFigureOut">
               <a:rPr lang="zh-CN" altLang="en-US" smtClean="0"/>
-              <a:t>2023/6/9</a:t>
+              <a:t>2023/6/10</a:t>
             </a:fld>
             <a:endParaRPr lang="zh-CN" altLang="en-US"/>
           </a:p>
@@ -1242,7 +1242,7 @@
           <a:p>
             <a:fld id="{68B46C37-74B6-467C-9BAA-68C06E3BA7DB}" type="datetimeFigureOut">
               <a:rPr lang="zh-CN" altLang="en-US" smtClean="0"/>
-              <a:t>2023/6/9</a:t>
+              <a:t>2023/6/10</a:t>
             </a:fld>
             <a:endParaRPr lang="zh-CN" altLang="en-US"/>
           </a:p>
@@ -1440,7 +1440,7 @@
           <a:p>
             <a:fld id="{68B46C37-74B6-467C-9BAA-68C06E3BA7DB}" type="datetimeFigureOut">
               <a:rPr lang="zh-CN" altLang="en-US" smtClean="0"/>
-              <a:t>2023/6/9</a:t>
+              <a:t>2023/6/10</a:t>
             </a:fld>
             <a:endParaRPr lang="zh-CN" altLang="en-US"/>
           </a:p>
@@ -1715,7 +1715,7 @@
           <a:p>
             <a:fld id="{68B46C37-74B6-467C-9BAA-68C06E3BA7DB}" type="datetimeFigureOut">
               <a:rPr lang="zh-CN" altLang="en-US" smtClean="0"/>
-              <a:t>2023/6/9</a:t>
+              <a:t>2023/6/10</a:t>
             </a:fld>
             <a:endParaRPr lang="zh-CN" altLang="en-US"/>
           </a:p>
@@ -1980,7 +1980,7 @@
           <a:p>
             <a:fld id="{68B46C37-74B6-467C-9BAA-68C06E3BA7DB}" type="datetimeFigureOut">
               <a:rPr lang="zh-CN" altLang="en-US" smtClean="0"/>
-              <a:t>2023/6/9</a:t>
+              <a:t>2023/6/10</a:t>
             </a:fld>
             <a:endParaRPr lang="zh-CN" altLang="en-US"/>
           </a:p>
@@ -2392,7 +2392,7 @@
           <a:p>
             <a:fld id="{68B46C37-74B6-467C-9BAA-68C06E3BA7DB}" type="datetimeFigureOut">
               <a:rPr lang="zh-CN" altLang="en-US" smtClean="0"/>
-              <a:t>2023/6/9</a:t>
+              <a:t>2023/6/10</a:t>
             </a:fld>
             <a:endParaRPr lang="zh-CN" altLang="en-US"/>
           </a:p>
@@ -2533,7 +2533,7 @@
           <a:p>
             <a:fld id="{68B46C37-74B6-467C-9BAA-68C06E3BA7DB}" type="datetimeFigureOut">
               <a:rPr lang="zh-CN" altLang="en-US" smtClean="0"/>
-              <a:t>2023/6/9</a:t>
+              <a:t>2023/6/10</a:t>
             </a:fld>
             <a:endParaRPr lang="zh-CN" altLang="en-US"/>
           </a:p>
@@ -2646,7 +2646,7 @@
           <a:p>
             <a:fld id="{68B46C37-74B6-467C-9BAA-68C06E3BA7DB}" type="datetimeFigureOut">
               <a:rPr lang="zh-CN" altLang="en-US" smtClean="0"/>
-              <a:t>2023/6/9</a:t>
+              <a:t>2023/6/10</a:t>
             </a:fld>
             <a:endParaRPr lang="zh-CN" altLang="en-US"/>
           </a:p>
@@ -2957,7 +2957,7 @@
           <a:p>
             <a:fld id="{68B46C37-74B6-467C-9BAA-68C06E3BA7DB}" type="datetimeFigureOut">
               <a:rPr lang="zh-CN" altLang="en-US" smtClean="0"/>
-              <a:t>2023/6/9</a:t>
+              <a:t>2023/6/10</a:t>
             </a:fld>
             <a:endParaRPr lang="zh-CN" altLang="en-US"/>
           </a:p>
@@ -3245,7 +3245,7 @@
           <a:p>
             <a:fld id="{68B46C37-74B6-467C-9BAA-68C06E3BA7DB}" type="datetimeFigureOut">
               <a:rPr lang="zh-CN" altLang="en-US" smtClean="0"/>
-              <a:t>2023/6/9</a:t>
+              <a:t>2023/6/10</a:t>
             </a:fld>
             <a:endParaRPr lang="zh-CN" altLang="en-US"/>
           </a:p>
@@ -3486,7 +3486,7 @@
           <a:p>
             <a:fld id="{68B46C37-74B6-467C-9BAA-68C06E3BA7DB}" type="datetimeFigureOut">
               <a:rPr lang="zh-CN" altLang="en-US" smtClean="0"/>
-              <a:t>2023/6/9</a:t>
+              <a:t>2023/6/10</a:t>
             </a:fld>
             <a:endParaRPr lang="zh-CN" altLang="en-US"/>
           </a:p>
@@ -4267,7 +4267,7 @@
             <a:pPr lvl="1"/>
             <a:r>
               <a:rPr lang="zh-CN" altLang="en-US" dirty="0"/>
-              <a:t>等待多个请求聚合成批的延迟开销，相比批处理的收益哪个大？</a:t>
+              <a:t>等待多个请求聚合成批的延迟开销，相比并发的收益哪个大？</a:t>
             </a:r>
             <a:endParaRPr lang="en-US" altLang="zh-CN" dirty="0"/>
           </a:p>
@@ -17569,7 +17569,15 @@
             </a:r>
             <a:r>
               <a:rPr lang="zh-CN" altLang="en-US" i="1" dirty="0"/>
-              <a:t>中实现了多候选单论对话生成，公共前缀为序列本身，提升较为显著</a:t>
+              <a:t>中实现了多</a:t>
+            </a:r>
+            <a:r>
+              <a:rPr lang="zh-CN" altLang="en-US" i="1"/>
+              <a:t>候选单轮对话</a:t>
+            </a:r>
+            <a:r>
+              <a:rPr lang="zh-CN" altLang="en-US" i="1" dirty="0"/>
+              <a:t>生成，公共前缀为序列本身，提升较为显著</a:t>
             </a:r>
             <a:endParaRPr lang="en-US" altLang="zh-CN" i="1" dirty="0"/>
           </a:p>
